--- a/12_Logical.pptx
+++ b/12_Logical.pptx
@@ -3902,7 +3902,7 @@
                   <a:srgbClr val="FFFF00"/>
                 </a:solidFill>
               </a:rPr>
-              <a:t>3.1 Code</a:t>
+              <a:t>12.1 Code</a:t>
             </a:r>
             <a:endParaRPr lang="zh-TW" altLang="en-US" sz="4800" b="1" dirty="0">
               <a:solidFill>
@@ -4092,7 +4092,7 @@
                   <a:srgbClr val="FFFF00"/>
                 </a:solidFill>
               </a:rPr>
-              <a:t>2.1 Code</a:t>
+              <a:t>12.1 Code</a:t>
             </a:r>
             <a:endParaRPr lang="zh-TW" altLang="en-US" b="1" dirty="0">
               <a:solidFill>
@@ -4355,7 +4355,7 @@
                   <a:srgbClr val="FFFF00"/>
                 </a:solidFill>
               </a:rPr>
-              <a:t>3.2 Verify</a:t>
+              <a:t>12.2 Verify</a:t>
             </a:r>
             <a:endParaRPr lang="zh-TW" altLang="en-US" sz="4800" b="1" dirty="0">
               <a:solidFill>
@@ -4545,7 +4545,7 @@
                   <a:srgbClr val="FFFF00"/>
                 </a:solidFill>
               </a:rPr>
-              <a:t>3.2 Verify</a:t>
+              <a:t>12.2 Verify</a:t>
             </a:r>
             <a:endParaRPr lang="zh-TW" altLang="en-US" b="1" dirty="0">
               <a:solidFill>
